--- a/weekly_dashboard/dashboard-03-09.pptx
+++ b/weekly_dashboard/dashboard-03-09.pptx
@@ -367,7 +367,7 @@
           <a:p>
             <a:fld id="{9B6EA536-0A02-024A-865C-9746DE76D2ED}" type="slidenum">
               <a:rPr lang="en-US" smtClean="0"/>
-              <a:t>‹#›</a:t>
+              <a:t>‹Nr.›</a:t>
             </a:fld>
             <a:endParaRPr lang="en-US"/>
           </a:p>
@@ -743,7 +743,7 @@
           <a:p>
             <a:fld id="{186C044C-C631-4C06-B937-BF52F1189CD5}" type="slidenum">
               <a:rPr lang="en-US" smtClean="0"/>
-              <a:t>‹#›</a:t>
+              <a:t>‹Nr.›</a:t>
             </a:fld>
             <a:endParaRPr lang="en-US"/>
           </a:p>
@@ -911,7 +911,7 @@
           <a:p>
             <a:fld id="{186C044C-C631-4C06-B937-BF52F1189CD5}" type="slidenum">
               <a:rPr lang="en-US" smtClean="0"/>
-              <a:t>‹#›</a:t>
+              <a:t>‹Nr.›</a:t>
             </a:fld>
             <a:endParaRPr lang="en-US"/>
           </a:p>
@@ -1089,7 +1089,7 @@
           <a:p>
             <a:fld id="{186C044C-C631-4C06-B937-BF52F1189CD5}" type="slidenum">
               <a:rPr lang="en-US" smtClean="0"/>
-              <a:t>‹#›</a:t>
+              <a:t>‹Nr.›</a:t>
             </a:fld>
             <a:endParaRPr lang="en-US"/>
           </a:p>
@@ -1257,7 +1257,7 @@
           <a:p>
             <a:fld id="{186C044C-C631-4C06-B937-BF52F1189CD5}" type="slidenum">
               <a:rPr lang="en-US" smtClean="0"/>
-              <a:t>‹#›</a:t>
+              <a:t>‹Nr.›</a:t>
             </a:fld>
             <a:endParaRPr lang="en-US"/>
           </a:p>
@@ -1502,7 +1502,7 @@
           <a:p>
             <a:fld id="{186C044C-C631-4C06-B937-BF52F1189CD5}" type="slidenum">
               <a:rPr lang="en-US" smtClean="0"/>
-              <a:t>‹#›</a:t>
+              <a:t>‹Nr.›</a:t>
             </a:fld>
             <a:endParaRPr lang="en-US"/>
           </a:p>
@@ -1731,7 +1731,7 @@
           <a:p>
             <a:fld id="{186C044C-C631-4C06-B937-BF52F1189CD5}" type="slidenum">
               <a:rPr lang="en-US" smtClean="0"/>
-              <a:t>‹#›</a:t>
+              <a:t>‹Nr.›</a:t>
             </a:fld>
             <a:endParaRPr lang="en-US"/>
           </a:p>
@@ -2095,7 +2095,7 @@
           <a:p>
             <a:fld id="{186C044C-C631-4C06-B937-BF52F1189CD5}" type="slidenum">
               <a:rPr lang="en-US" smtClean="0"/>
-              <a:t>‹#›</a:t>
+              <a:t>‹Nr.›</a:t>
             </a:fld>
             <a:endParaRPr lang="en-US"/>
           </a:p>
@@ -2212,7 +2212,7 @@
           <a:p>
             <a:fld id="{186C044C-C631-4C06-B937-BF52F1189CD5}" type="slidenum">
               <a:rPr lang="en-US" smtClean="0"/>
-              <a:t>‹#›</a:t>
+              <a:t>‹Nr.›</a:t>
             </a:fld>
             <a:endParaRPr lang="en-US"/>
           </a:p>
@@ -2307,7 +2307,7 @@
           <a:p>
             <a:fld id="{186C044C-C631-4C06-B937-BF52F1189CD5}" type="slidenum">
               <a:rPr lang="en-US" smtClean="0"/>
-              <a:t>‹#›</a:t>
+              <a:t>‹Nr.›</a:t>
             </a:fld>
             <a:endParaRPr lang="en-US"/>
           </a:p>
@@ -2582,7 +2582,7 @@
           <a:p>
             <a:fld id="{186C044C-C631-4C06-B937-BF52F1189CD5}" type="slidenum">
               <a:rPr lang="en-US" smtClean="0"/>
-              <a:t>‹#›</a:t>
+              <a:t>‹Nr.›</a:t>
             </a:fld>
             <a:endParaRPr lang="en-US"/>
           </a:p>
@@ -2834,7 +2834,7 @@
           <a:p>
             <a:fld id="{186C044C-C631-4C06-B937-BF52F1189CD5}" type="slidenum">
               <a:rPr lang="en-US" smtClean="0"/>
-              <a:t>‹#›</a:t>
+              <a:t>‹Nr.›</a:t>
             </a:fld>
             <a:endParaRPr lang="en-US"/>
           </a:p>
@@ -3081,7 +3081,7 @@
           <a:p>
             <a:fld id="{186C044C-C631-4C06-B937-BF52F1189CD5}" type="slidenum">
               <a:rPr lang="en-US" smtClean="0"/>
-              <a:t>‹#›</a:t>
+              <a:t>‹Nr.›</a:t>
             </a:fld>
             <a:endParaRPr lang="en-US"/>
           </a:p>
@@ -4070,8 +4070,17 @@
               <a:rPr lang="en-US" sz="2400" dirty="0">
                 <a:latin typeface="+mj-lt"/>
               </a:rPr>
-              <a:t>Date: 03/01/2018</a:t>
-            </a:r>
+              <a:t>Date: </a:t>
+            </a:r>
+            <a:r>
+              <a:rPr lang="en-US" sz="2400" dirty="0" smtClean="0">
+                <a:latin typeface="+mj-lt"/>
+              </a:rPr>
+              <a:t>03/09/2018</a:t>
+            </a:r>
+            <a:endParaRPr lang="en-US" sz="2400" dirty="0">
+              <a:latin typeface="+mj-lt"/>
+            </a:endParaRPr>
           </a:p>
         </p:txBody>
       </p:sp>
@@ -4176,8 +4185,13 @@
             <a:pPr algn="ctr"/>
             <a:r>
               <a:rPr lang="en-US" sz="3200" dirty="0"/>
-              <a:t>Project: Analyzing VoIP at UC Davis  Date:03/01/2018</a:t>
-            </a:r>
+              <a:t>Project: Analyzing VoIP at UC Davis  </a:t>
+            </a:r>
+            <a:r>
+              <a:rPr lang="en-US" sz="3200" dirty="0" smtClean="0"/>
+              <a:t>Date: 03/09/2018</a:t>
+            </a:r>
+            <a:endParaRPr lang="en-US" sz="3200" dirty="0"/>
           </a:p>
         </p:txBody>
       </p:sp>

--- a/weekly_dashboard/dashboard-03-09.pptx
+++ b/weekly_dashboard/dashboard-03-09.pptx
@@ -209,7 +209,7 @@
           <a:p>
             <a:fld id="{6B5ADEEA-2554-3649-A5FC-F8BE9CAFE9B8}" type="datetimeFigureOut">
               <a:rPr lang="en-US" smtClean="0"/>
-              <a:t>3/8/2018</a:t>
+              <a:t>3/9/2018</a:t>
             </a:fld>
             <a:endParaRPr lang="en-US"/>
           </a:p>
@@ -701,7 +701,7 @@
           <a:p>
             <a:fld id="{B8394864-8E61-46E1-AE6F-DC9B03139954}" type="datetimeFigureOut">
               <a:rPr lang="en-US" smtClean="0"/>
-              <a:t>3/8/2018</a:t>
+              <a:t>3/9/2018</a:t>
             </a:fld>
             <a:endParaRPr lang="en-US"/>
           </a:p>
@@ -869,7 +869,7 @@
           <a:p>
             <a:fld id="{B8394864-8E61-46E1-AE6F-DC9B03139954}" type="datetimeFigureOut">
               <a:rPr lang="en-US" smtClean="0"/>
-              <a:t>3/8/2018</a:t>
+              <a:t>3/9/2018</a:t>
             </a:fld>
             <a:endParaRPr lang="en-US"/>
           </a:p>
@@ -1047,7 +1047,7 @@
           <a:p>
             <a:fld id="{B8394864-8E61-46E1-AE6F-DC9B03139954}" type="datetimeFigureOut">
               <a:rPr lang="en-US" smtClean="0"/>
-              <a:t>3/8/2018</a:t>
+              <a:t>3/9/2018</a:t>
             </a:fld>
             <a:endParaRPr lang="en-US"/>
           </a:p>
@@ -1215,7 +1215,7 @@
           <a:p>
             <a:fld id="{B8394864-8E61-46E1-AE6F-DC9B03139954}" type="datetimeFigureOut">
               <a:rPr lang="en-US" smtClean="0"/>
-              <a:t>3/8/2018</a:t>
+              <a:t>3/9/2018</a:t>
             </a:fld>
             <a:endParaRPr lang="en-US"/>
           </a:p>
@@ -1460,7 +1460,7 @@
           <a:p>
             <a:fld id="{B8394864-8E61-46E1-AE6F-DC9B03139954}" type="datetimeFigureOut">
               <a:rPr lang="en-US" smtClean="0"/>
-              <a:t>3/8/2018</a:t>
+              <a:t>3/9/2018</a:t>
             </a:fld>
             <a:endParaRPr lang="en-US"/>
           </a:p>
@@ -1689,7 +1689,7 @@
           <a:p>
             <a:fld id="{B8394864-8E61-46E1-AE6F-DC9B03139954}" type="datetimeFigureOut">
               <a:rPr lang="en-US" smtClean="0"/>
-              <a:t>3/8/2018</a:t>
+              <a:t>3/9/2018</a:t>
             </a:fld>
             <a:endParaRPr lang="en-US"/>
           </a:p>
@@ -2053,7 +2053,7 @@
           <a:p>
             <a:fld id="{B8394864-8E61-46E1-AE6F-DC9B03139954}" type="datetimeFigureOut">
               <a:rPr lang="en-US" smtClean="0"/>
-              <a:t>3/8/2018</a:t>
+              <a:t>3/9/2018</a:t>
             </a:fld>
             <a:endParaRPr lang="en-US"/>
           </a:p>
@@ -2170,7 +2170,7 @@
           <a:p>
             <a:fld id="{B8394864-8E61-46E1-AE6F-DC9B03139954}" type="datetimeFigureOut">
               <a:rPr lang="en-US" smtClean="0"/>
-              <a:t>3/8/2018</a:t>
+              <a:t>3/9/2018</a:t>
             </a:fld>
             <a:endParaRPr lang="en-US"/>
           </a:p>
@@ -2265,7 +2265,7 @@
           <a:p>
             <a:fld id="{B8394864-8E61-46E1-AE6F-DC9B03139954}" type="datetimeFigureOut">
               <a:rPr lang="en-US" smtClean="0"/>
-              <a:t>3/8/2018</a:t>
+              <a:t>3/9/2018</a:t>
             </a:fld>
             <a:endParaRPr lang="en-US"/>
           </a:p>
@@ -2540,7 +2540,7 @@
           <a:p>
             <a:fld id="{B8394864-8E61-46E1-AE6F-DC9B03139954}" type="datetimeFigureOut">
               <a:rPr lang="en-US" smtClean="0"/>
-              <a:t>3/8/2018</a:t>
+              <a:t>3/9/2018</a:t>
             </a:fld>
             <a:endParaRPr lang="en-US"/>
           </a:p>
@@ -2792,7 +2792,7 @@
           <a:p>
             <a:fld id="{B8394864-8E61-46E1-AE6F-DC9B03139954}" type="datetimeFigureOut">
               <a:rPr lang="en-US" smtClean="0"/>
-              <a:t>3/8/2018</a:t>
+              <a:t>3/9/2018</a:t>
             </a:fld>
             <a:endParaRPr lang="en-US"/>
           </a:p>
@@ -3003,7 +3003,7 @@
           <a:p>
             <a:fld id="{B8394864-8E61-46E1-AE6F-DC9B03139954}" type="datetimeFigureOut">
               <a:rPr lang="en-US" smtClean="0"/>
-              <a:t>3/8/2018</a:t>
+              <a:t>3/9/2018</a:t>
             </a:fld>
             <a:endParaRPr lang="en-US"/>
           </a:p>
@@ -4070,7 +4070,7 @@
               <a:rPr lang="en-US" sz="2400" dirty="0">
                 <a:latin typeface="+mj-lt"/>
               </a:rPr>
-              <a:t>Date: 03/01/2018</a:t>
+              <a:t>Date: 03/09/2018</a:t>
             </a:r>
           </a:p>
         </p:txBody>
@@ -4176,7 +4176,7 @@
             <a:pPr algn="ctr"/>
             <a:r>
               <a:rPr lang="en-US" sz="3200" dirty="0"/>
-              <a:t>Project: Analyzing VoIP at UC Davis  Date:03/01/2018</a:t>
+              <a:t>Project: Analyzing VoIP at UC Davis  Date: 03/09/2018</a:t>
             </a:r>
           </a:p>
         </p:txBody>
@@ -4589,7 +4589,15 @@
             </a:pPr>
             <a:r>
               <a:rPr lang="en-US" dirty="0"/>
-              <a:t>Set-up lab computer and installed switch software</a:t>
+              <a:t>Set-up lab computer and </a:t>
+            </a:r>
+            <a:r>
+              <a:rPr lang="en-US" dirty="0" err="1"/>
+              <a:t>installe</a:t>
+            </a:r>
+            <a:r>
+              <a:rPr lang="en-US" dirty="0"/>
+              <a:t> switch software</a:t>
             </a:r>
           </a:p>
           <a:p>
